--- a/Présentation TER.pptx
+++ b/Présentation TER.pptx
@@ -213,7 +213,7 @@
           <a:p>
             <a:fld id="{66461B18-D39A-4AEA-B8F1-7A293C780BDC}" type="datetimeFigureOut">
               <a:rPr lang="fr-FR" smtClean="0"/>
-              <a:t>15/06/2018</a:t>
+              <a:t>16/06/2018</a:t>
             </a:fld>
             <a:endParaRPr lang="fr-FR"/>
           </a:p>
@@ -1202,7 +1202,7 @@
           <a:p>
             <a:fld id="{CA83CD11-B2D2-43EB-81B0-3DE643375B34}" type="datetime1">
               <a:rPr lang="fr-FR" smtClean="0"/>
-              <a:t>15/06/2018</a:t>
+              <a:t>16/06/2018</a:t>
             </a:fld>
             <a:endParaRPr lang="fr-FR"/>
           </a:p>
@@ -1453,7 +1453,7 @@
           <a:p>
             <a:fld id="{7CFE9183-A1C1-4CB8-8CA3-1F9C28E32E0D}" type="datetime1">
               <a:rPr lang="fr-FR" smtClean="0"/>
-              <a:t>15/06/2018</a:t>
+              <a:t>16/06/2018</a:t>
             </a:fld>
             <a:endParaRPr lang="fr-FR"/>
           </a:p>
@@ -1768,7 +1768,7 @@
           <a:p>
             <a:fld id="{7CFE9183-A1C1-4CB8-8CA3-1F9C28E32E0D}" type="datetime1">
               <a:rPr lang="fr-FR" smtClean="0"/>
-              <a:t>15/06/2018</a:t>
+              <a:t>16/06/2018</a:t>
             </a:fld>
             <a:endParaRPr lang="fr-FR"/>
           </a:p>
@@ -2110,7 +2110,7 @@
           <a:p>
             <a:fld id="{7CFE9183-A1C1-4CB8-8CA3-1F9C28E32E0D}" type="datetime1">
               <a:rPr lang="fr-FR" smtClean="0"/>
-              <a:t>15/06/2018</a:t>
+              <a:t>16/06/2018</a:t>
             </a:fld>
             <a:endParaRPr lang="fr-FR"/>
           </a:p>
@@ -2425,7 +2425,7 @@
           <a:p>
             <a:fld id="{7CFE9183-A1C1-4CB8-8CA3-1F9C28E32E0D}" type="datetime1">
               <a:rPr lang="fr-FR" smtClean="0"/>
-              <a:t>15/06/2018</a:t>
+              <a:t>16/06/2018</a:t>
             </a:fld>
             <a:endParaRPr lang="fr-FR"/>
           </a:p>
@@ -2819,7 +2819,7 @@
           <a:p>
             <a:fld id="{7CFE9183-A1C1-4CB8-8CA3-1F9C28E32E0D}" type="datetime1">
               <a:rPr lang="fr-FR" smtClean="0"/>
-              <a:t>15/06/2018</a:t>
+              <a:t>16/06/2018</a:t>
             </a:fld>
             <a:endParaRPr lang="fr-FR"/>
           </a:p>
@@ -2990,7 +2990,7 @@
           <a:p>
             <a:fld id="{E56B4AC6-C037-487A-B60E-12A7DA96FFF5}" type="datetime1">
               <a:rPr lang="fr-FR" smtClean="0"/>
-              <a:t>15/06/2018</a:t>
+              <a:t>16/06/2018</a:t>
             </a:fld>
             <a:endParaRPr lang="fr-FR"/>
           </a:p>
@@ -3170,7 +3170,7 @@
           <a:p>
             <a:fld id="{460EB6F9-4D49-4C5E-ADAE-5DAADD6577AE}" type="datetime1">
               <a:rPr lang="fr-FR" smtClean="0"/>
-              <a:t>15/06/2018</a:t>
+              <a:t>16/06/2018</a:t>
             </a:fld>
             <a:endParaRPr lang="fr-FR"/>
           </a:p>
@@ -3346,7 +3346,7 @@
           <a:p>
             <a:fld id="{B1CB5ED0-E610-4BA4-A450-71F924B5ED10}" type="datetime1">
               <a:rPr lang="fr-FR" smtClean="0"/>
-              <a:t>15/06/2018</a:t>
+              <a:t>16/06/2018</a:t>
             </a:fld>
             <a:endParaRPr lang="fr-FR"/>
           </a:p>
@@ -3593,7 +3593,7 @@
           <a:p>
             <a:fld id="{55C66922-86DE-40D4-B983-1167E2984CCA}" type="datetime1">
               <a:rPr lang="fr-FR" smtClean="0"/>
-              <a:t>15/06/2018</a:t>
+              <a:t>16/06/2018</a:t>
             </a:fld>
             <a:endParaRPr lang="fr-FR"/>
           </a:p>
@@ -3825,7 +3825,7 @@
           <a:p>
             <a:fld id="{3D4E7F18-9B72-4A70-8BF7-1EEB413C1273}" type="datetime1">
               <a:rPr lang="fr-FR" smtClean="0"/>
-              <a:t>15/06/2018</a:t>
+              <a:t>16/06/2018</a:t>
             </a:fld>
             <a:endParaRPr lang="fr-FR"/>
           </a:p>
@@ -4199,7 +4199,7 @@
           <a:p>
             <a:fld id="{038B8D2E-80DC-448A-9E0C-34EE31A8E3BA}" type="datetime1">
               <a:rPr lang="fr-FR" smtClean="0"/>
-              <a:t>15/06/2018</a:t>
+              <a:t>16/06/2018</a:t>
             </a:fld>
             <a:endParaRPr lang="fr-FR"/>
           </a:p>
@@ -4322,7 +4322,7 @@
           <a:p>
             <a:fld id="{E87BA74A-51AD-4567-B97C-C25F42E7EC0B}" type="datetime1">
               <a:rPr lang="fr-FR" smtClean="0"/>
-              <a:t>15/06/2018</a:t>
+              <a:t>16/06/2018</a:t>
             </a:fld>
             <a:endParaRPr lang="fr-FR"/>
           </a:p>
@@ -4417,7 +4417,7 @@
           <a:p>
             <a:fld id="{6501E619-9381-48EC-BA47-96674DF5D593}" type="datetime1">
               <a:rPr lang="fr-FR" smtClean="0"/>
-              <a:t>15/06/2018</a:t>
+              <a:t>16/06/2018</a:t>
             </a:fld>
             <a:endParaRPr lang="fr-FR"/>
           </a:p>
@@ -4672,7 +4672,7 @@
           <a:p>
             <a:fld id="{E0A3DB25-3CD8-40D7-BD11-99254968442C}" type="datetime1">
               <a:rPr lang="fr-FR" smtClean="0"/>
-              <a:t>15/06/2018</a:t>
+              <a:t>16/06/2018</a:t>
             </a:fld>
             <a:endParaRPr lang="fr-FR"/>
           </a:p>
@@ -4935,7 +4935,7 @@
           <a:p>
             <a:fld id="{3CD03E59-68F1-4CB9-B318-C413A266ADFB}" type="datetime1">
               <a:rPr lang="fr-FR" smtClean="0"/>
-              <a:t>15/06/2018</a:t>
+              <a:t>16/06/2018</a:t>
             </a:fld>
             <a:endParaRPr lang="fr-FR"/>
           </a:p>
@@ -5678,7 +5678,7 @@
           <a:p>
             <a:fld id="{7CFE9183-A1C1-4CB8-8CA3-1F9C28E32E0D}" type="datetime1">
               <a:rPr lang="fr-FR" smtClean="0"/>
-              <a:t>15/06/2018</a:t>
+              <a:t>16/06/2018</a:t>
             </a:fld>
             <a:endParaRPr lang="fr-FR"/>
           </a:p>
@@ -8608,6 +8608,36 @@
           </a:p>
         </p:txBody>
       </p:sp>
+      <p:pic>
+        <p:nvPicPr>
+          <p:cNvPr id="3" name="Image 2">
+            <a:extLst>
+              <a:ext uri="{FF2B5EF4-FFF2-40B4-BE49-F238E27FC236}">
+                <a16:creationId xmlns:a16="http://schemas.microsoft.com/office/drawing/2014/main" id="{6A1F8A9E-C8C8-44B3-AD4F-A31754E48F5D}"/>
+              </a:ext>
+            </a:extLst>
+          </p:cNvPr>
+          <p:cNvPicPr>
+            <a:picLocks noChangeAspect="1"/>
+          </p:cNvPicPr>
+          <p:nvPr/>
+        </p:nvPicPr>
+        <p:blipFill>
+          <a:blip r:embed="rId3"/>
+          <a:stretch>
+            <a:fillRect/>
+          </a:stretch>
+        </p:blipFill>
+        <p:spPr>
+          <a:xfrm>
+            <a:off x="1075225" y="4738511"/>
+            <a:ext cx="3781425" cy="762000"/>
+          </a:xfrm>
+          <a:prstGeom prst="rect">
+            <a:avLst/>
+          </a:prstGeom>
+        </p:spPr>
+      </p:pic>
     </p:spTree>
     <p:extLst>
       <p:ext uri="{BB962C8B-B14F-4D97-AF65-F5344CB8AC3E}">
@@ -8874,13 +8904,7 @@
           <a:p>
             <a:r>
               <a:rPr lang="fr-FR" dirty="0"/>
-              <a:t>Problèmes écologiques</a:t>
-            </a:r>
-          </a:p>
-          <a:p>
-            <a:r>
-              <a:rPr lang="fr-FR" dirty="0"/>
-              <a:t>Action de l’homme sur l’environnement</a:t>
+              <a:t>Problèmes écologiques dues à l’action de l’homme</a:t>
             </a:r>
           </a:p>
           <a:p>
@@ -8896,6 +8920,9 @@
             </a:r>
           </a:p>
           <a:p>
+            <a:pPr marL="0" indent="0">
+              <a:buNone/>
+            </a:pPr>
             <a:endParaRPr lang="fr-FR" dirty="0"/>
           </a:p>
         </p:txBody>
@@ -9004,7 +9031,7 @@
         </p:nvSpPr>
         <p:spPr>
           <a:xfrm>
-            <a:off x="3821071" y="3066534"/>
+            <a:off x="4058464" y="2068088"/>
             <a:ext cx="5331722" cy="2721586"/>
           </a:xfrm>
         </p:spPr>
@@ -9018,7 +9045,7 @@
               <a:buNone/>
             </a:pPr>
             <a:r>
-              <a:rPr lang="fr-FR" sz="1600" dirty="0">
+              <a:rPr lang="fr-FR" sz="1500" dirty="0">
                 <a:solidFill>
                   <a:schemeClr val="tx1"/>
                 </a:solidFill>
@@ -9031,7 +9058,7 @@
               <a:buNone/>
             </a:pPr>
             <a:r>
-              <a:rPr lang="fr-FR" sz="1600" dirty="0">
+              <a:rPr lang="fr-FR" sz="1500" dirty="0">
                 <a:solidFill>
                   <a:schemeClr val="tx1"/>
                 </a:solidFill>
@@ -9044,7 +9071,7 @@
               <a:buNone/>
             </a:pPr>
             <a:r>
-              <a:rPr lang="fr-FR" sz="1600" dirty="0">
+              <a:rPr lang="fr-FR" sz="1500" dirty="0">
                 <a:solidFill>
                   <a:schemeClr val="tx1"/>
                 </a:solidFill>
@@ -9057,7 +9084,7 @@
               <a:buNone/>
             </a:pPr>
             <a:r>
-              <a:rPr lang="fr-FR" sz="1600" dirty="0">
+              <a:rPr lang="fr-FR" sz="1500" dirty="0">
                 <a:solidFill>
                   <a:schemeClr val="tx1"/>
                 </a:solidFill>
@@ -9070,7 +9097,7 @@
               <a:buNone/>
             </a:pPr>
             <a:r>
-              <a:rPr lang="fr-FR" sz="1600" dirty="0">
+              <a:rPr lang="fr-FR" sz="1500" dirty="0">
                 <a:solidFill>
                   <a:schemeClr val="tx1"/>
                 </a:solidFill>
@@ -9083,7 +9110,7 @@
               <a:buNone/>
             </a:pPr>
             <a:r>
-              <a:rPr lang="fr-FR" sz="1600" dirty="0">
+              <a:rPr lang="fr-FR" sz="1500" dirty="0">
                 <a:solidFill>
                   <a:schemeClr val="tx1"/>
                 </a:solidFill>
@@ -9096,7 +9123,7 @@
               <a:buNone/>
             </a:pPr>
             <a:r>
-              <a:rPr lang="fr-FR" sz="1600" dirty="0">
+              <a:rPr lang="fr-FR" sz="1500" dirty="0">
                 <a:solidFill>
                   <a:schemeClr val="tx1"/>
                 </a:solidFill>
@@ -9109,7 +9136,7 @@
               <a:buNone/>
             </a:pPr>
             <a:r>
-              <a:rPr lang="fr-FR" sz="1600" dirty="0">
+              <a:rPr lang="fr-FR" sz="1500" dirty="0">
                 <a:solidFill>
                   <a:schemeClr val="tx1"/>
                 </a:solidFill>
@@ -9135,16 +9162,21 @@
             <p:ph type="sldNum" sz="quarter" idx="12"/>
           </p:nvPr>
         </p:nvSpPr>
-        <p:spPr/>
+        <p:spPr>
+          <a:xfrm>
+            <a:off x="8828056" y="5417109"/>
+            <a:ext cx="683339" cy="365125"/>
+          </a:xfrm>
+        </p:spPr>
         <p:txBody>
           <a:bodyPr/>
           <a:lstStyle/>
           <a:p>
             <a:fld id="{9B918B12-F603-448C-A371-3085AF7FB0BF}" type="slidenum">
-              <a:rPr lang="fr-FR" smtClean="0"/>
+              <a:rPr lang="fr-FR" sz="1500" smtClean="0"/>
               <a:t>3</a:t>
             </a:fld>
-            <a:endParaRPr lang="fr-FR" dirty="0"/>
+            <a:endParaRPr lang="fr-FR" sz="1500" dirty="0"/>
           </a:p>
         </p:txBody>
       </p:sp>
@@ -9162,8 +9194,8 @@
         </p:nvSpPr>
         <p:spPr>
           <a:xfrm>
-            <a:off x="263769" y="3066534"/>
-            <a:ext cx="3557302" cy="1323439"/>
+            <a:off x="501162" y="2442281"/>
+            <a:ext cx="3557302" cy="1246495"/>
           </a:xfrm>
           <a:prstGeom prst="rect">
             <a:avLst/>
@@ -9177,31 +9209,31 @@
           <a:lstStyle/>
           <a:p>
             <a:r>
-              <a:rPr lang="fr-FR" sz="1600" dirty="0"/>
+              <a:rPr lang="fr-FR" sz="1500" dirty="0"/>
               <a:t>Agents:</a:t>
             </a:r>
           </a:p>
           <a:p>
             <a:r>
-              <a:rPr lang="fr-FR" sz="1600" dirty="0"/>
+              <a:rPr lang="fr-FR" sz="1500" dirty="0"/>
               <a:t>    Eté+ : Eté</a:t>
             </a:r>
           </a:p>
           <a:p>
             <a:r>
-              <a:rPr lang="fr-FR" sz="1600" dirty="0"/>
+              <a:rPr lang="fr-FR" sz="1500" dirty="0"/>
               <a:t>    M+   : Mare</a:t>
             </a:r>
           </a:p>
           <a:p>
             <a:r>
-              <a:rPr lang="fr-FR" sz="1600" dirty="0"/>
+              <a:rPr lang="fr-FR" sz="1500" dirty="0"/>
               <a:t>    PP+  : Poisson piscivore</a:t>
             </a:r>
           </a:p>
           <a:p>
             <a:r>
-              <a:rPr lang="fr-FR" sz="1600" dirty="0"/>
+              <a:rPr lang="fr-FR" sz="1500" dirty="0"/>
               <a:t>    PI+  : Poisson insectivore</a:t>
             </a:r>
           </a:p>
@@ -9221,8 +9253,8 @@
         </p:nvSpPr>
         <p:spPr>
           <a:xfrm>
-            <a:off x="545450" y="2129135"/>
-            <a:ext cx="1931377" cy="400110"/>
+            <a:off x="501162" y="1689749"/>
+            <a:ext cx="1931377" cy="353943"/>
           </a:xfrm>
           <a:prstGeom prst="rect">
             <a:avLst/>
@@ -9236,8 +9268,53 @@
           <a:lstStyle/>
           <a:p>
             <a:r>
-              <a:rPr lang="fr-FR" sz="2000" dirty="0"/>
+              <a:rPr lang="fr-FR" sz="1700" dirty="0"/>
               <a:t>Mare:</a:t>
+            </a:r>
+          </a:p>
+        </p:txBody>
+      </p:sp>
+      <p:sp>
+        <p:nvSpPr>
+          <p:cNvPr id="7" name="ZoneTexte 6">
+            <a:extLst>
+              <a:ext uri="{FF2B5EF4-FFF2-40B4-BE49-F238E27FC236}">
+                <a16:creationId xmlns:a16="http://schemas.microsoft.com/office/drawing/2014/main" id="{B29125B0-3A96-4DDA-82AD-84D753ADA756}"/>
+              </a:ext>
+            </a:extLst>
+          </p:cNvPr>
+          <p:cNvSpPr txBox="1"/>
+          <p:nvPr/>
+        </p:nvSpPr>
+        <p:spPr>
+          <a:xfrm>
+            <a:off x="677333" y="5686640"/>
+            <a:ext cx="6039989" cy="553998"/>
+          </a:xfrm>
+          <a:prstGeom prst="rect">
+            <a:avLst/>
+          </a:prstGeom>
+          <a:noFill/>
+        </p:spPr>
+        <p:txBody>
+          <a:bodyPr wrap="square" rtlCol="0">
+            <a:spAutoFit/>
+          </a:bodyPr>
+          <a:lstStyle/>
+          <a:p>
+            <a:r>
+              <a:rPr lang="fr-FR" sz="1500" dirty="0"/>
+              <a:t>En appliquant la règle  Eté+ &gt;&gt;  M-,</a:t>
+            </a:r>
+          </a:p>
+          <a:p>
+            <a:r>
+              <a:rPr lang="fr-FR" sz="1500"/>
+              <a:t>un écosystème Eté</a:t>
+            </a:r>
+            <a:r>
+              <a:rPr lang="fr-FR" sz="1500" dirty="0"/>
+              <a:t>+, M+, PP-, PI- devient Eté+, M-, PP-, PI-</a:t>
             </a:r>
           </a:p>
         </p:txBody>
@@ -9728,12 +9805,12 @@
                     <a:p>
                       <a:pPr algn="ctr" fontAlgn="b"/>
                       <a:r>
-                        <a:rPr lang="fr-FR" sz="1100" u="none" strike="noStrike">
+                        <a:rPr lang="fr-FR" sz="1100" u="none" strike="noStrike" dirty="0">
                           <a:effectLst/>
                         </a:rPr>
                         <a:t>1</a:t>
                       </a:r>
-                      <a:endParaRPr lang="fr-FR" sz="1100" b="0" i="0" u="none" strike="noStrike">
+                      <a:endParaRPr lang="fr-FR" sz="1100" b="0" i="0" u="none" strike="noStrike" dirty="0">
                         <a:solidFill>
                           <a:srgbClr val="000000"/>
                         </a:solidFill>
@@ -10979,8 +11056,8 @@
         </p:blipFill>
         <p:spPr>
           <a:xfrm>
-            <a:off x="473686" y="2035515"/>
-            <a:ext cx="5461123" cy="2536878"/>
+            <a:off x="305189" y="1737639"/>
+            <a:ext cx="6051650" cy="2811198"/>
           </a:xfrm>
           <a:prstGeom prst="rect">
             <a:avLst/>
